--- a/הצגת אמצע.pptx
+++ b/הצגת אמצע.pptx
@@ -8120,17 +8120,17 @@
               <a:buNone/>
             </a:pPr>
             <a:r>
-              <a:rPr lang="he-IL" sz="1800" dirty="0">
+              <a:rPr lang="he-IL" sz="1600" dirty="0">
                 <a:effectLst/>
-                <a:latin typeface="Calibri" panose="020F0502020204030204" pitchFamily="34" charset="0"/>
+                <a:latin typeface="+mj-lt"/>
                 <a:ea typeface="Calibri" panose="020F0502020204030204" pitchFamily="34" charset="0"/>
                 <a:cs typeface="Arial" panose="020B0604020202020204" pitchFamily="34" charset="0"/>
               </a:rPr>
-              <a:t>אנו באים לבנות מערכת המלצה ללקוחות שקונים בחנות אונליין על מוצרים פוטנציאלים אשר יכולים לעניין אותם</a:t>
+              <a:t>בניית מערכת המלצה ללקוחות שקונים בחנות אונליין על סמך מוצרים פוטנציאלים אשר יכולים לעניין אותם</a:t>
             </a:r>
             <a:r>
-              <a:rPr lang="he-IL" sz="1800" dirty="0">
-                <a:latin typeface="Calibri" panose="020F0502020204030204" pitchFamily="34" charset="0"/>
+              <a:rPr lang="he-IL" sz="1600" dirty="0">
+                <a:latin typeface="+mj-lt"/>
                 <a:ea typeface="Calibri" panose="020F0502020204030204" pitchFamily="34" charset="0"/>
                 <a:cs typeface="Arial" panose="020B0604020202020204" pitchFamily="34" charset="0"/>
               </a:rPr>
@@ -8156,8 +8156,8 @@
               <a:buNone/>
             </a:pPr>
             <a:r>
-              <a:rPr lang="he-IL" sz="1800" dirty="0">
-                <a:latin typeface="Calibri" panose="020F0502020204030204" pitchFamily="34" charset="0"/>
+              <a:rPr lang="he-IL" sz="1600" dirty="0">
+                <a:latin typeface="+mj-lt"/>
                 <a:ea typeface="Calibri" panose="020F0502020204030204" pitchFamily="34" charset="0"/>
                 <a:cs typeface="Arial" panose="020B0604020202020204" pitchFamily="34" charset="0"/>
               </a:rPr>
@@ -8183,8 +8183,8 @@
               <a:buNone/>
             </a:pPr>
             <a:r>
-              <a:rPr lang="he-IL" sz="1800" dirty="0">
-                <a:latin typeface="Calibri" panose="020F0502020204030204" pitchFamily="34" charset="0"/>
+              <a:rPr lang="he-IL" sz="1600" dirty="0">
+                <a:latin typeface="+mj-lt"/>
                 <a:ea typeface="Calibri" panose="020F0502020204030204" pitchFamily="34" charset="0"/>
                 <a:cs typeface="Calibri" panose="020F0502020204030204" pitchFamily="34" charset="0"/>
               </a:rPr>
@@ -8458,8 +8458,8 @@
         </p:blipFill>
         <p:spPr>
           <a:xfrm>
-            <a:off x="350178" y="2571750"/>
-            <a:ext cx="2160895" cy="2143991"/>
+            <a:off x="350178" y="2311800"/>
+            <a:ext cx="2734666" cy="2713274"/>
           </a:xfrm>
           <a:prstGeom prst="rect">
             <a:avLst/>
@@ -8584,7 +8584,7 @@
               <a:buNone/>
             </a:pPr>
             <a:r>
-              <a:rPr lang="he-IL" sz="1200" kern="100" dirty="0">
+              <a:rPr lang="he-IL" sz="1600" kern="100" dirty="0">
                 <a:effectLst/>
                 <a:latin typeface="Calibri" panose="020F0502020204030204" pitchFamily="34" charset="0"/>
                 <a:ea typeface="Calibri" panose="020F0502020204030204" pitchFamily="34" charset="0"/>
@@ -8593,7 +8593,7 @@
               <a:t>הנתונים נלקחו מאתר </a:t>
             </a:r>
             <a:r>
-              <a:rPr lang="en-US" sz="1200" kern="100" dirty="0">
+              <a:rPr lang="en-US" sz="1600" kern="100" dirty="0">
                 <a:effectLst/>
                 <a:latin typeface="Calibri" panose="020F0502020204030204" pitchFamily="34" charset="0"/>
                 <a:ea typeface="Calibri" panose="020F0502020204030204" pitchFamily="34" charset="0"/>
@@ -8602,7 +8602,7 @@
               <a:t>Kaggle</a:t>
             </a:r>
             <a:r>
-              <a:rPr lang="he-IL" sz="1200" kern="100" dirty="0">
+              <a:rPr lang="he-IL" sz="1600" kern="100" dirty="0">
                 <a:effectLst/>
                 <a:latin typeface="Calibri" panose="020F0502020204030204" pitchFamily="34" charset="0"/>
                 <a:ea typeface="Calibri" panose="020F0502020204030204" pitchFamily="34" charset="0"/>
@@ -8611,7 +8611,7 @@
               <a:t>, </a:t>
             </a:r>
             <a:r>
-              <a:rPr lang="he-IL" sz="1200" kern="100" dirty="0">
+              <a:rPr lang="he-IL" sz="1600" kern="100" dirty="0">
                 <a:latin typeface="Calibri" panose="020F0502020204030204" pitchFamily="34" charset="0"/>
                 <a:ea typeface="Calibri" panose="020F0502020204030204" pitchFamily="34" charset="0"/>
                 <a:cs typeface="Arial" panose="020B0604020202020204" pitchFamily="34" charset="0"/>
@@ -8619,7 +8619,7 @@
               <a:t>ואנו </a:t>
             </a:r>
             <a:r>
-              <a:rPr lang="he-IL" sz="1200" kern="100" dirty="0">
+              <a:rPr lang="he-IL" sz="1600" kern="100" dirty="0">
                 <a:effectLst/>
                 <a:latin typeface="Calibri" panose="020F0502020204030204" pitchFamily="34" charset="0"/>
                 <a:ea typeface="Calibri" panose="020F0502020204030204" pitchFamily="34" charset="0"/>
@@ -8635,7 +8635,7 @@
               </a:spcAft>
               <a:buNone/>
             </a:pPr>
-            <a:endParaRPr lang="he-IL" sz="1200" kern="100" dirty="0">
+            <a:endParaRPr lang="he-IL" sz="1600" kern="100" dirty="0">
               <a:latin typeface="Calibri" panose="020F0502020204030204" pitchFamily="34" charset="0"/>
               <a:ea typeface="Calibri" panose="020F0502020204030204" pitchFamily="34" charset="0"/>
               <a:cs typeface="Arial" panose="020B0604020202020204" pitchFamily="34" charset="0"/>
@@ -8650,7 +8650,7 @@
               <a:buChar char="-"/>
             </a:pPr>
             <a:r>
-              <a:rPr lang="he-IL" sz="1200" kern="100" dirty="0">
+              <a:rPr lang="he-IL" sz="1600" kern="100" dirty="0">
                 <a:latin typeface="Calibri" panose="020F0502020204030204" pitchFamily="34" charset="0"/>
                 <a:ea typeface="Calibri" panose="020F0502020204030204" pitchFamily="34" charset="0"/>
                 <a:cs typeface="Arial" panose="020B0604020202020204" pitchFamily="34" charset="0"/>
@@ -8658,14 +8658,14 @@
               <a:t>מוצר בהזמנה: </a:t>
             </a:r>
             <a:r>
-              <a:rPr lang="en-US" sz="1200" kern="100" dirty="0" err="1">
+              <a:rPr lang="en-US" sz="1600" kern="100" dirty="0" err="1">
                 <a:latin typeface="Calibri" panose="020F0502020204030204" pitchFamily="34" charset="0"/>
                 <a:ea typeface="Calibri" panose="020F0502020204030204" pitchFamily="34" charset="0"/>
                 <a:cs typeface="Arial" panose="020B0604020202020204" pitchFamily="34" charset="0"/>
               </a:rPr>
               <a:t>olist_order_items_dataset</a:t>
             </a:r>
-            <a:endParaRPr lang="en-US" sz="1200" kern="100" dirty="0">
+            <a:endParaRPr lang="en-US" sz="1600" kern="100" dirty="0">
               <a:latin typeface="Calibri" panose="020F0502020204030204" pitchFamily="34" charset="0"/>
               <a:ea typeface="Calibri" panose="020F0502020204030204" pitchFamily="34" charset="0"/>
               <a:cs typeface="Arial" panose="020B0604020202020204" pitchFamily="34" charset="0"/>
@@ -8680,7 +8680,7 @@
               <a:buChar char="-"/>
             </a:pPr>
             <a:r>
-              <a:rPr lang="he-IL" sz="1200" kern="100" dirty="0">
+              <a:rPr lang="he-IL" sz="1600" kern="100" dirty="0">
                 <a:latin typeface="Calibri" panose="020F0502020204030204" pitchFamily="34" charset="0"/>
                 <a:ea typeface="Calibri" panose="020F0502020204030204" pitchFamily="34" charset="0"/>
                 <a:cs typeface="Arial" panose="020B0604020202020204" pitchFamily="34" charset="0"/>
@@ -8688,7 +8688,7 @@
               <a:t>מוצרים: </a:t>
             </a:r>
             <a:r>
-              <a:rPr lang="en-US" sz="1200" kern="100" dirty="0">
+              <a:rPr lang="en-US" sz="1600" kern="100" dirty="0">
                 <a:latin typeface="Calibri" panose="020F0502020204030204" pitchFamily="34" charset="0"/>
                 <a:ea typeface="Calibri" panose="020F0502020204030204" pitchFamily="34" charset="0"/>
                 <a:cs typeface="Arial" panose="020B0604020202020204" pitchFamily="34" charset="0"/>
@@ -8696,14 +8696,14 @@
               <a:t> </a:t>
             </a:r>
             <a:r>
-              <a:rPr lang="en-US" sz="1200" kern="100" dirty="0" err="1">
+              <a:rPr lang="en-US" sz="1600" kern="100" dirty="0" err="1">
                 <a:latin typeface="Calibri" panose="020F0502020204030204" pitchFamily="34" charset="0"/>
                 <a:ea typeface="Calibri" panose="020F0502020204030204" pitchFamily="34" charset="0"/>
                 <a:cs typeface="Arial" panose="020B0604020202020204" pitchFamily="34" charset="0"/>
               </a:rPr>
               <a:t>olist_products_dataset</a:t>
             </a:r>
-            <a:endParaRPr lang="he-IL" sz="1200" kern="100" dirty="0">
+            <a:endParaRPr lang="he-IL" sz="1600" kern="100" dirty="0">
               <a:latin typeface="Calibri" panose="020F0502020204030204" pitchFamily="34" charset="0"/>
               <a:ea typeface="Calibri" panose="020F0502020204030204" pitchFamily="34" charset="0"/>
               <a:cs typeface="Arial" panose="020B0604020202020204" pitchFamily="34" charset="0"/>
@@ -8717,7 +8717,7 @@
               <a:buFont typeface="+mj-lt"/>
               <a:buAutoNum type="arabicPeriod"/>
             </a:pPr>
-            <a:endParaRPr lang="he-IL" sz="1200" kern="100" dirty="0">
+            <a:endParaRPr lang="he-IL" sz="1600" kern="100" dirty="0">
               <a:effectLst/>
               <a:latin typeface="Calibri" panose="020F0502020204030204" pitchFamily="34" charset="0"/>
               <a:ea typeface="Calibri" panose="020F0502020204030204" pitchFamily="34" charset="0"/>
@@ -8732,7 +8732,7 @@
               <a:buNone/>
             </a:pPr>
             <a:r>
-              <a:rPr lang="he-IL" sz="1200" kern="100" dirty="0">
+              <a:rPr lang="he-IL" sz="1600" kern="100" dirty="0">
                 <a:effectLst/>
                 <a:latin typeface="Calibri" panose="020F0502020204030204" pitchFamily="34" charset="0"/>
                 <a:ea typeface="Calibri" panose="020F0502020204030204" pitchFamily="34" charset="0"/>
@@ -8741,7 +8741,7 @@
               <a:t>סט הנתונים מכיל הזמנות אשר נאספו מפלטפורמת חנויות האונליין הברזילאית </a:t>
             </a:r>
             <a:r>
-              <a:rPr lang="en-US" sz="1200" kern="100" dirty="0" err="1">
+              <a:rPr lang="en-US" sz="1600" kern="100" dirty="0" err="1">
                 <a:effectLst/>
                 <a:latin typeface="Calibri" panose="020F0502020204030204" pitchFamily="34" charset="0"/>
                 <a:ea typeface="Calibri" panose="020F0502020204030204" pitchFamily="34" charset="0"/>
@@ -8750,7 +8750,7 @@
               <a:t>Olist</a:t>
             </a:r>
             <a:r>
-              <a:rPr lang="he-IL" sz="1200" kern="100" dirty="0">
+              <a:rPr lang="he-IL" sz="1600" kern="100" dirty="0">
                 <a:effectLst/>
                 <a:latin typeface="Calibri" panose="020F0502020204030204" pitchFamily="34" charset="0"/>
                 <a:ea typeface="Calibri" panose="020F0502020204030204" pitchFamily="34" charset="0"/>
@@ -8767,7 +8767,7 @@
               <a:buNone/>
             </a:pPr>
             <a:r>
-              <a:rPr lang="he-IL" sz="1200" kern="100" dirty="0">
+              <a:rPr lang="he-IL" sz="1600" kern="100" dirty="0">
                 <a:effectLst/>
                 <a:latin typeface="Calibri" panose="020F0502020204030204" pitchFamily="34" charset="0"/>
                 <a:ea typeface="Calibri" panose="020F0502020204030204" pitchFamily="34" charset="0"/>
@@ -8783,7 +8783,7 @@
               </a:spcAft>
               <a:buNone/>
             </a:pPr>
-            <a:endParaRPr lang="he-IL" sz="1200" kern="100" dirty="0">
+            <a:endParaRPr lang="he-IL" sz="1600" kern="100" dirty="0">
               <a:latin typeface="Calibri" panose="020F0502020204030204" pitchFamily="34" charset="0"/>
               <a:ea typeface="Calibri" panose="020F0502020204030204" pitchFamily="34" charset="0"/>
               <a:cs typeface="Arial" panose="020B0604020202020204" pitchFamily="34" charset="0"/>
@@ -8797,7 +8797,7 @@
               <a:buNone/>
             </a:pPr>
             <a:r>
-              <a:rPr lang="en-US" sz="1200" kern="100" dirty="0">
+              <a:rPr lang="en-US" sz="1600" kern="100" dirty="0">
                 <a:effectLst/>
                 <a:latin typeface="Calibri" panose="020F0502020204030204" pitchFamily="34" charset="0"/>
                 <a:ea typeface="Calibri" panose="020F0502020204030204" pitchFamily="34" charset="0"/>
@@ -8806,13 +8806,13 @@
               <a:t>meta-data</a:t>
             </a:r>
             <a:r>
-              <a:rPr lang="he-IL" sz="1200" kern="100" dirty="0">
+              <a:rPr lang="he-IL" sz="1600" kern="100" dirty="0">
                 <a:effectLst/>
                 <a:latin typeface="Calibri" panose="020F0502020204030204" pitchFamily="34" charset="0"/>
                 <a:ea typeface="Calibri" panose="020F0502020204030204" pitchFamily="34" charset="0"/>
                 <a:cs typeface="Arial" panose="020B0604020202020204" pitchFamily="34" charset="0"/>
               </a:rPr>
-              <a:t>: לכל מוצר יש את הקטגורייה אליה הוא משוייך.</a:t>
+              <a:t>: לכל מוצר יש את הקטגוריה אליה הוא משויך.</a:t>
             </a:r>
           </a:p>
           <a:p>
@@ -8822,7 +8822,7 @@
               </a:spcAft>
               <a:buNone/>
             </a:pPr>
-            <a:endParaRPr lang="he-IL" sz="1200" kern="100" dirty="0">
+            <a:endParaRPr lang="he-IL" sz="1600" kern="100" dirty="0">
               <a:latin typeface="Calibri" panose="020F0502020204030204" pitchFamily="34" charset="0"/>
               <a:ea typeface="Calibri" panose="020F0502020204030204" pitchFamily="34" charset="0"/>
               <a:cs typeface="Arial" panose="020B0604020202020204" pitchFamily="34" charset="0"/>
@@ -8836,7 +8836,7 @@
               <a:buNone/>
             </a:pPr>
             <a:r>
-              <a:rPr lang="he-IL" sz="1200" kern="100" dirty="0">
+              <a:rPr lang="he-IL" sz="1600" kern="100" dirty="0">
                 <a:effectLst/>
                 <a:latin typeface="Calibri" panose="020F0502020204030204" pitchFamily="34" charset="0"/>
                 <a:ea typeface="Calibri" panose="020F0502020204030204" pitchFamily="34" charset="0"/>
@@ -8850,55 +8850,17 @@
               <a:buNone/>
             </a:pPr>
             <a:r>
-              <a:rPr lang="en-US" kern="100" dirty="0">
+              <a:rPr lang="en-US" sz="1600" kern="100" dirty="0">
                 <a:effectLst/>
                 <a:latin typeface="Calibri" panose="020F0502020204030204" pitchFamily="34" charset="0"/>
                 <a:ea typeface="Calibri" panose="020F0502020204030204" pitchFamily="34" charset="0"/>
                 <a:cs typeface="Arial" panose="020B0604020202020204" pitchFamily="34" charset="0"/>
                 <a:hlinkClick r:id="rId4"/>
               </a:rPr>
-              <a:t>Link to kaggle</a:t>
+              <a:t>Link to Kaggle</a:t>
             </a:r>
-            <a:endParaRPr lang="en-IL" kern="100" dirty="0">
+            <a:endParaRPr lang="en-IL" sz="1600" kern="100" dirty="0">
               <a:effectLst/>
-              <a:latin typeface="Calibri" panose="020F0502020204030204" pitchFamily="34" charset="0"/>
-              <a:ea typeface="Calibri" panose="020F0502020204030204" pitchFamily="34" charset="0"/>
-              <a:cs typeface="Arial" panose="020B0604020202020204" pitchFamily="34" charset="0"/>
-            </a:endParaRPr>
-          </a:p>
-          <a:p>
-            <a:pPr marL="0" lvl="0" indent="0" rtl="1">
-              <a:spcAft>
-                <a:spcPts val="0"/>
-              </a:spcAft>
-              <a:buNone/>
-            </a:pPr>
-            <a:endParaRPr lang="en-IL" sz="1200" kern="100" dirty="0">
-              <a:effectLst/>
-              <a:latin typeface="Calibri" panose="020F0502020204030204" pitchFamily="34" charset="0"/>
-              <a:ea typeface="Calibri" panose="020F0502020204030204" pitchFamily="34" charset="0"/>
-              <a:cs typeface="Arial" panose="020B0604020202020204" pitchFamily="34" charset="0"/>
-            </a:endParaRPr>
-          </a:p>
-          <a:p>
-            <a:pPr marL="0" marR="0" lvl="0" indent="0" algn="r" rtl="1">
-              <a:lnSpc>
-                <a:spcPct val="100000"/>
-              </a:lnSpc>
-              <a:spcBef>
-                <a:spcPts val="0"/>
-              </a:spcBef>
-              <a:spcAft>
-                <a:spcPts val="1600"/>
-              </a:spcAft>
-              <a:buClr>
-                <a:schemeClr val="lt1"/>
-              </a:buClr>
-              <a:buSzPts val="1400"/>
-              <a:buFont typeface="Raleway"/>
-              <a:buNone/>
-            </a:pPr>
-            <a:endParaRPr lang="he-IL" sz="1800" dirty="0">
               <a:latin typeface="Calibri" panose="020F0502020204030204" pitchFamily="34" charset="0"/>
               <a:ea typeface="Calibri" panose="020F0502020204030204" pitchFamily="34" charset="0"/>
               <a:cs typeface="Arial" panose="020B0604020202020204" pitchFamily="34" charset="0"/>
@@ -9164,14 +9126,14 @@
           <p:nvPr>
             <p:extLst>
               <p:ext uri="{D42A27DB-BD31-4B8C-83A1-F6EECF244321}">
-                <p14:modId xmlns:p14="http://schemas.microsoft.com/office/powerpoint/2010/main" val="1459363134"/>
+                <p14:modId xmlns:p14="http://schemas.microsoft.com/office/powerpoint/2010/main" val="1666976754"/>
               </p:ext>
             </p:extLst>
           </p:nvPr>
         </p:nvGraphicFramePr>
         <p:xfrm>
-          <a:off x="779267" y="2846885"/>
-          <a:ext cx="2654300" cy="1524000"/>
+          <a:off x="595991" y="3119384"/>
+          <a:ext cx="2654300" cy="1661160"/>
         </p:xfrm>
         <a:graphic>
           <a:graphicData uri="http://schemas.openxmlformats.org/drawingml/2006/table">
@@ -9194,7 +9156,7 @@
                     <a:p>
                       <a:pPr algn="l" fontAlgn="b"/>
                       <a:r>
-                        <a:rPr lang="en-US" sz="1100" b="1" i="0" u="none" strike="noStrike" dirty="0" err="1">
+                        <a:rPr lang="en-US" sz="1300" b="1" i="0" u="none" strike="noStrike" dirty="0" err="1">
                           <a:solidFill>
                             <a:schemeClr val="bg1"/>
                           </a:solidFill>
@@ -9203,7 +9165,7 @@
                         </a:rPr>
                         <a:t>product_category_name_english</a:t>
                       </a:r>
-                      <a:endParaRPr lang="en-US" sz="1100" b="1" i="0" u="none" strike="noStrike" dirty="0">
+                      <a:endParaRPr lang="en-US" sz="1300" b="1" i="0" u="none" strike="noStrike" dirty="0">
                         <a:solidFill>
                           <a:schemeClr val="bg1"/>
                         </a:solidFill>
@@ -9242,7 +9204,7 @@
                     <a:p>
                       <a:pPr algn="l" fontAlgn="b"/>
                       <a:r>
-                        <a:rPr lang="en-US" sz="1100" b="0" i="0" u="none" strike="noStrike" dirty="0" err="1">
+                        <a:rPr lang="en-US" sz="1300" b="0" i="0" u="none" strike="noStrike" dirty="0" err="1">
                           <a:solidFill>
                             <a:schemeClr val="bg1"/>
                           </a:solidFill>
@@ -9251,7 +9213,7 @@
                         </a:rPr>
                         <a:t>health_beauty</a:t>
                       </a:r>
-                      <a:endParaRPr lang="en-US" sz="1100" b="0" i="0" u="none" strike="noStrike" dirty="0">
+                      <a:endParaRPr lang="en-US" sz="1300" b="0" i="0" u="none" strike="noStrike" dirty="0">
                         <a:solidFill>
                           <a:schemeClr val="bg1"/>
                         </a:solidFill>
@@ -9290,7 +9252,7 @@
                     <a:p>
                       <a:pPr algn="l" fontAlgn="b"/>
                       <a:r>
-                        <a:rPr lang="en-US" sz="1100" b="0" i="0" u="none" strike="noStrike" dirty="0" err="1">
+                        <a:rPr lang="en-US" sz="1300" b="0" i="0" u="none" strike="noStrike" dirty="0" err="1">
                           <a:solidFill>
                             <a:schemeClr val="bg1"/>
                           </a:solidFill>
@@ -9299,7 +9261,7 @@
                         </a:rPr>
                         <a:t>computers_accessories</a:t>
                       </a:r>
-                      <a:endParaRPr lang="en-US" sz="1100" b="0" i="0" u="none" strike="noStrike" dirty="0">
+                      <a:endParaRPr lang="en-US" sz="1300" b="0" i="0" u="none" strike="noStrike" dirty="0">
                         <a:solidFill>
                           <a:schemeClr val="bg1"/>
                         </a:solidFill>
@@ -9338,7 +9300,7 @@
                     <a:p>
                       <a:pPr algn="l" fontAlgn="b"/>
                       <a:r>
-                        <a:rPr lang="en-US" sz="1100" b="0" i="0" u="none" strike="noStrike" dirty="0">
+                        <a:rPr lang="en-US" sz="1300" b="0" i="0" u="none" strike="noStrike" dirty="0">
                           <a:solidFill>
                             <a:schemeClr val="bg1"/>
                           </a:solidFill>
@@ -9379,7 +9341,7 @@
                     <a:p>
                       <a:pPr algn="l" fontAlgn="b"/>
                       <a:r>
-                        <a:rPr lang="en-US" sz="1100" b="0" i="0" u="none" strike="noStrike" dirty="0" err="1">
+                        <a:rPr lang="en-US" sz="1300" b="0" i="0" u="none" strike="noStrike" dirty="0" err="1">
                           <a:solidFill>
                             <a:schemeClr val="bg1"/>
                           </a:solidFill>
@@ -9388,7 +9350,7 @@
                         </a:rPr>
                         <a:t>bed_bath_table</a:t>
                       </a:r>
-                      <a:endParaRPr lang="en-US" sz="1100" b="0" i="0" u="none" strike="noStrike" dirty="0">
+                      <a:endParaRPr lang="en-US" sz="1300" b="0" i="0" u="none" strike="noStrike" dirty="0">
                         <a:solidFill>
                           <a:schemeClr val="bg1"/>
                         </a:solidFill>
@@ -9427,7 +9389,7 @@
                     <a:p>
                       <a:pPr algn="l" fontAlgn="b"/>
                       <a:r>
-                        <a:rPr lang="en-US" sz="1100" b="0" i="0" u="none" strike="noStrike" dirty="0" err="1">
+                        <a:rPr lang="en-US" sz="1300" b="0" i="0" u="none" strike="noStrike" dirty="0" err="1">
                           <a:solidFill>
                             <a:schemeClr val="bg1"/>
                           </a:solidFill>
@@ -9436,7 +9398,7 @@
                         </a:rPr>
                         <a:t>furniture_decor</a:t>
                       </a:r>
-                      <a:endParaRPr lang="en-US" sz="1100" b="0" i="0" u="none" strike="noStrike" dirty="0">
+                      <a:endParaRPr lang="en-US" sz="1300" b="0" i="0" u="none" strike="noStrike" dirty="0">
                         <a:solidFill>
                           <a:schemeClr val="bg1"/>
                         </a:solidFill>
@@ -9475,7 +9437,7 @@
                     <a:p>
                       <a:pPr algn="l" fontAlgn="b"/>
                       <a:r>
-                        <a:rPr lang="en-US" sz="1100" b="0" i="0" u="none" strike="noStrike">
+                        <a:rPr lang="en-US" sz="1300" b="0" i="0" u="none" strike="noStrike">
                           <a:solidFill>
                             <a:schemeClr val="bg1"/>
                           </a:solidFill>
@@ -9516,7 +9478,7 @@
                     <a:p>
                       <a:pPr algn="l" fontAlgn="b"/>
                       <a:r>
-                        <a:rPr lang="en-US" sz="1100" b="0" i="0" u="none" strike="noStrike" dirty="0">
+                        <a:rPr lang="en-US" sz="1300" b="0" i="0" u="none" strike="noStrike" dirty="0">
                           <a:solidFill>
                             <a:schemeClr val="bg1"/>
                           </a:solidFill>
@@ -9567,8 +9529,8 @@
         </p:nvSpPr>
         <p:spPr>
           <a:xfrm>
-            <a:off x="720000" y="2813477"/>
-            <a:ext cx="2258291" cy="1674530"/>
+            <a:off x="554203" y="3051598"/>
+            <a:ext cx="2425088" cy="1796732"/>
           </a:xfrm>
           <a:prstGeom prst="rect">
             <a:avLst/>
@@ -9728,7 +9690,7 @@
               <a:buNone/>
             </a:pPr>
             <a:r>
-              <a:rPr lang="he-IL" sz="1200" kern="100" dirty="0">
+              <a:rPr lang="he-IL" sz="1600" kern="100" dirty="0">
                 <a:effectLst/>
                 <a:latin typeface="Calibri" panose="020F0502020204030204" pitchFamily="34" charset="0"/>
                 <a:ea typeface="Calibri" panose="020F0502020204030204" pitchFamily="34" charset="0"/>
@@ -9744,7 +9706,7 @@
               </a:spcAft>
               <a:buNone/>
             </a:pPr>
-            <a:endParaRPr lang="he-IL" sz="1200" kern="100" dirty="0">
+            <a:endParaRPr lang="he-IL" sz="1600" kern="100" dirty="0">
               <a:latin typeface="Calibri" panose="020F0502020204030204" pitchFamily="34" charset="0"/>
               <a:ea typeface="Calibri" panose="020F0502020204030204" pitchFamily="34" charset="0"/>
               <a:cs typeface="Arial" panose="020B0604020202020204" pitchFamily="34" charset="0"/>
@@ -9758,7 +9720,7 @@
               <a:buNone/>
             </a:pPr>
             <a:r>
-              <a:rPr lang="he-IL" sz="1200" kern="100" dirty="0">
+              <a:rPr lang="he-IL" sz="1600" kern="100" dirty="0">
                 <a:effectLst/>
                 <a:latin typeface="Calibri" panose="020F0502020204030204" pitchFamily="34" charset="0"/>
                 <a:ea typeface="Calibri" panose="020F0502020204030204" pitchFamily="34" charset="0"/>
@@ -9766,7 +9728,7 @@
               </a:rPr>
               <a:t>עמודות:</a:t>
             </a:r>
-            <a:endParaRPr lang="he-IL" sz="1200" kern="100" dirty="0">
+            <a:endParaRPr lang="he-IL" sz="1600" kern="100" dirty="0">
               <a:latin typeface="Calibri" panose="020F0502020204030204" pitchFamily="34" charset="0"/>
               <a:ea typeface="Calibri" panose="020F0502020204030204" pitchFamily="34" charset="0"/>
               <a:cs typeface="Arial" panose="020B0604020202020204" pitchFamily="34" charset="0"/>
@@ -9780,7 +9742,7 @@
               <a:buNone/>
             </a:pPr>
             <a:r>
-              <a:rPr lang="en-US" sz="1200" kern="100" dirty="0">
+              <a:rPr lang="en-US" sz="1600" kern="100" dirty="0">
                 <a:latin typeface="Calibri" panose="020F0502020204030204" pitchFamily="34" charset="0"/>
                 <a:ea typeface="Calibri" panose="020F0502020204030204" pitchFamily="34" charset="0"/>
                 <a:cs typeface="Arial" panose="020B0604020202020204" pitchFamily="34" charset="0"/>
@@ -9788,7 +9750,7 @@
               <a:t>product_id1</a:t>
             </a:r>
             <a:r>
-              <a:rPr lang="he-IL" sz="1200" kern="100" dirty="0">
+              <a:rPr lang="he-IL" sz="1600" kern="100" dirty="0">
                 <a:latin typeface="Calibri" panose="020F0502020204030204" pitchFamily="34" charset="0"/>
                 <a:ea typeface="Calibri" panose="020F0502020204030204" pitchFamily="34" charset="0"/>
                 <a:cs typeface="Arial" panose="020B0604020202020204" pitchFamily="34" charset="0"/>
@@ -9804,7 +9766,7 @@
               <a:buNone/>
             </a:pPr>
             <a:r>
-              <a:rPr lang="en-US" sz="1200" kern="100" dirty="0">
+              <a:rPr lang="en-US" sz="1600" kern="100" dirty="0">
                 <a:latin typeface="Calibri" panose="020F0502020204030204" pitchFamily="34" charset="0"/>
                 <a:ea typeface="Calibri" panose="020F0502020204030204" pitchFamily="34" charset="0"/>
                 <a:cs typeface="Arial" panose="020B0604020202020204" pitchFamily="34" charset="0"/>
@@ -9812,7 +9774,7 @@
               <a:t>product_id2</a:t>
             </a:r>
             <a:r>
-              <a:rPr lang="he-IL" sz="1200" kern="100" dirty="0">
+              <a:rPr lang="he-IL" sz="1600" kern="100" dirty="0">
                 <a:latin typeface="Calibri" panose="020F0502020204030204" pitchFamily="34" charset="0"/>
                 <a:ea typeface="Calibri" panose="020F0502020204030204" pitchFamily="34" charset="0"/>
                 <a:cs typeface="Arial" panose="020B0604020202020204" pitchFamily="34" charset="0"/>
@@ -9828,7 +9790,7 @@
               <a:buNone/>
             </a:pPr>
             <a:r>
-              <a:rPr lang="en-US" sz="1200" kern="100" dirty="0" err="1">
+              <a:rPr lang="en-US" sz="1600" kern="100" dirty="0" err="1">
                 <a:latin typeface="Calibri" panose="020F0502020204030204" pitchFamily="34" charset="0"/>
                 <a:ea typeface="Calibri" panose="020F0502020204030204" pitchFamily="34" charset="0"/>
                 <a:cs typeface="Arial" panose="020B0604020202020204" pitchFamily="34" charset="0"/>
@@ -9836,7 +9798,7 @@
               <a:t>num_of_carts</a:t>
             </a:r>
             <a:r>
-              <a:rPr lang="he-IL" sz="1200" kern="100" dirty="0">
+              <a:rPr lang="he-IL" sz="1600" kern="100" dirty="0">
                 <a:latin typeface="Calibri" panose="020F0502020204030204" pitchFamily="34" charset="0"/>
                 <a:ea typeface="Calibri" panose="020F0502020204030204" pitchFamily="34" charset="0"/>
                 <a:cs typeface="Arial" panose="020B0604020202020204" pitchFamily="34" charset="0"/>
@@ -9851,7 +9813,7 @@
               </a:spcAft>
               <a:buNone/>
             </a:pPr>
-            <a:endParaRPr lang="he-IL" sz="1200" kern="100" dirty="0">
+            <a:endParaRPr lang="he-IL" sz="1600" kern="100" dirty="0">
               <a:latin typeface="Calibri" panose="020F0502020204030204" pitchFamily="34" charset="0"/>
               <a:ea typeface="Calibri" panose="020F0502020204030204" pitchFamily="34" charset="0"/>
               <a:cs typeface="Arial" panose="020B0604020202020204" pitchFamily="34" charset="0"/>
@@ -9865,7 +9827,7 @@
               <a:buNone/>
             </a:pPr>
             <a:r>
-              <a:rPr lang="he-IL" sz="1200" kern="100" dirty="0">
+              <a:rPr lang="he-IL" sz="1600" kern="100" dirty="0">
                 <a:latin typeface="Calibri" panose="020F0502020204030204" pitchFamily="34" charset="0"/>
                 <a:ea typeface="Calibri" panose="020F0502020204030204" pitchFamily="34" charset="0"/>
                 <a:cs typeface="Arial" panose="020B0604020202020204" pitchFamily="34" charset="0"/>
@@ -9880,7 +9842,7 @@
               </a:spcAft>
               <a:buNone/>
             </a:pPr>
-            <a:endParaRPr lang="en-US" sz="1200" kern="100" dirty="0">
+            <a:endParaRPr lang="en-US" sz="1600" kern="100" dirty="0">
               <a:latin typeface="Calibri" panose="020F0502020204030204" pitchFamily="34" charset="0"/>
               <a:ea typeface="Calibri" panose="020F0502020204030204" pitchFamily="34" charset="0"/>
               <a:cs typeface="Arial" panose="020B0604020202020204" pitchFamily="34" charset="0"/>
@@ -9893,58 +9855,7 @@
               </a:spcAft>
               <a:buNone/>
             </a:pPr>
-            <a:endParaRPr lang="en-US" sz="1200" kern="100" dirty="0">
-              <a:latin typeface="Calibri" panose="020F0502020204030204" pitchFamily="34" charset="0"/>
-              <a:ea typeface="Calibri" panose="020F0502020204030204" pitchFamily="34" charset="0"/>
-              <a:cs typeface="Arial" panose="020B0604020202020204" pitchFamily="34" charset="0"/>
-            </a:endParaRPr>
-          </a:p>
-          <a:p>
-            <a:pPr marL="0" lvl="0" indent="0" algn="r" rtl="1">
-              <a:spcAft>
-                <a:spcPts val="0"/>
-              </a:spcAft>
-              <a:buNone/>
-            </a:pPr>
-            <a:endParaRPr lang="en-US" sz="1200" kern="100" dirty="0">
-              <a:latin typeface="Calibri" panose="020F0502020204030204" pitchFamily="34" charset="0"/>
-              <a:ea typeface="Calibri" panose="020F0502020204030204" pitchFamily="34" charset="0"/>
-              <a:cs typeface="Arial" panose="020B0604020202020204" pitchFamily="34" charset="0"/>
-            </a:endParaRPr>
-          </a:p>
-          <a:p>
-            <a:pPr marL="0" lvl="0" indent="0" algn="r" rtl="1">
-              <a:spcAft>
-                <a:spcPts val="0"/>
-              </a:spcAft>
-              <a:buNone/>
-            </a:pPr>
-            <a:endParaRPr lang="en-IL" sz="1200" kern="100" dirty="0">
-              <a:effectLst/>
-              <a:latin typeface="Calibri" panose="020F0502020204030204" pitchFamily="34" charset="0"/>
-              <a:ea typeface="Calibri" panose="020F0502020204030204" pitchFamily="34" charset="0"/>
-              <a:cs typeface="Arial" panose="020B0604020202020204" pitchFamily="34" charset="0"/>
-            </a:endParaRPr>
-          </a:p>
-          <a:p>
-            <a:pPr marL="0" marR="0" lvl="0" indent="0" algn="r" rtl="1">
-              <a:lnSpc>
-                <a:spcPct val="100000"/>
-              </a:lnSpc>
-              <a:spcBef>
-                <a:spcPts val="0"/>
-              </a:spcBef>
-              <a:spcAft>
-                <a:spcPts val="1600"/>
-              </a:spcAft>
-              <a:buClr>
-                <a:schemeClr val="lt1"/>
-              </a:buClr>
-              <a:buSzPts val="1400"/>
-              <a:buFont typeface="Raleway"/>
-              <a:buNone/>
-            </a:pPr>
-            <a:endParaRPr lang="he-IL" sz="1800" dirty="0">
+            <a:endParaRPr lang="en-US" sz="1600" kern="100" dirty="0">
               <a:latin typeface="Calibri" panose="020F0502020204030204" pitchFamily="34" charset="0"/>
               <a:ea typeface="Calibri" panose="020F0502020204030204" pitchFamily="34" charset="0"/>
               <a:cs typeface="Arial" panose="020B0604020202020204" pitchFamily="34" charset="0"/>
@@ -10298,7 +10209,7 @@
         </p:nvSpPr>
         <p:spPr>
           <a:xfrm>
-            <a:off x="720000" y="1152474"/>
+            <a:off x="559227" y="920064"/>
             <a:ext cx="7828009" cy="3153925"/>
           </a:xfrm>
           <a:prstGeom prst="rect">
@@ -10317,8 +10228,8 @@
               </a:spcAft>
               <a:buNone/>
             </a:pPr>
-            <a:endParaRPr lang="en-US" sz="1200" kern="100" dirty="0">
-              <a:latin typeface="Calibri" panose="020F0502020204030204" pitchFamily="34" charset="0"/>
+            <a:endParaRPr lang="en-US" sz="1600" kern="100" dirty="0">
+              <a:latin typeface="+mj-lt"/>
               <a:ea typeface="Calibri" panose="020F0502020204030204" pitchFamily="34" charset="0"/>
               <a:cs typeface="Arial" panose="020B0604020202020204" pitchFamily="34" charset="0"/>
             </a:endParaRPr>
@@ -10331,8 +10242,8 @@
               <a:buNone/>
             </a:pPr>
             <a:r>
-              <a:rPr lang="he-IL" kern="100" dirty="0">
-                <a:latin typeface="Calibri" panose="020F0502020204030204" pitchFamily="34" charset="0"/>
+              <a:rPr lang="he-IL" sz="1600" kern="100" dirty="0">
+                <a:latin typeface="+mj-lt"/>
                 <a:ea typeface="Calibri" panose="020F0502020204030204" pitchFamily="34" charset="0"/>
                 <a:cs typeface="Arial" panose="020B0604020202020204" pitchFamily="34" charset="0"/>
               </a:rPr>
@@ -10347,8 +10258,8 @@
               <a:buNone/>
             </a:pPr>
             <a:r>
-              <a:rPr lang="he-IL" sz="1200" kern="100" dirty="0">
-                <a:latin typeface="Calibri" panose="020F0502020204030204" pitchFamily="34" charset="0"/>
+              <a:rPr lang="he-IL" sz="1600" kern="100" dirty="0">
+                <a:latin typeface="+mj-lt"/>
                 <a:ea typeface="Calibri" panose="020F0502020204030204" pitchFamily="34" charset="0"/>
                 <a:cs typeface="Arial" panose="020B0604020202020204" pitchFamily="34" charset="0"/>
               </a:rPr>
@@ -10363,8 +10274,8 @@
               <a:buNone/>
             </a:pPr>
             <a:r>
-              <a:rPr lang="he-IL" sz="1200" kern="100" dirty="0">
-                <a:latin typeface="Calibri" panose="020F0502020204030204" pitchFamily="34" charset="0"/>
+              <a:rPr lang="he-IL" sz="1600" kern="100" dirty="0">
+                <a:latin typeface="+mj-lt"/>
                 <a:ea typeface="Calibri" panose="020F0502020204030204" pitchFamily="34" charset="0"/>
                 <a:cs typeface="Arial" panose="020B0604020202020204" pitchFamily="34" charset="0"/>
               </a:rPr>
@@ -10379,8 +10290,8 @@
               <a:buNone/>
             </a:pPr>
             <a:r>
-              <a:rPr lang="he-IL" sz="1200" kern="100" dirty="0">
-                <a:latin typeface="Calibri" panose="020F0502020204030204" pitchFamily="34" charset="0"/>
+              <a:rPr lang="he-IL" sz="1600" kern="100" dirty="0">
+                <a:latin typeface="+mj-lt"/>
                 <a:ea typeface="Calibri" panose="020F0502020204030204" pitchFamily="34" charset="0"/>
                 <a:cs typeface="Arial" panose="020B0604020202020204" pitchFamily="34" charset="0"/>
               </a:rPr>
@@ -10394,8 +10305,8 @@
               </a:spcAft>
               <a:buNone/>
             </a:pPr>
-            <a:endParaRPr lang="en-US" sz="1200" kern="100" dirty="0">
-              <a:latin typeface="Calibri" panose="020F0502020204030204" pitchFamily="34" charset="0"/>
+            <a:endParaRPr lang="en-US" sz="1600" kern="100" dirty="0">
+              <a:latin typeface="+mj-lt"/>
               <a:ea typeface="Calibri" panose="020F0502020204030204" pitchFamily="34" charset="0"/>
               <a:cs typeface="Arial" panose="020B0604020202020204" pitchFamily="34" charset="0"/>
             </a:endParaRPr>
@@ -10407,8 +10318,8 @@
               </a:spcAft>
               <a:buNone/>
             </a:pPr>
-            <a:endParaRPr lang="en-US" sz="1200" kern="100" dirty="0">
-              <a:latin typeface="Calibri" panose="020F0502020204030204" pitchFamily="34" charset="0"/>
+            <a:endParaRPr lang="en-US" sz="1600" kern="100" dirty="0">
+              <a:latin typeface="+mj-lt"/>
               <a:ea typeface="Calibri" panose="020F0502020204030204" pitchFamily="34" charset="0"/>
               <a:cs typeface="Arial" panose="020B0604020202020204" pitchFamily="34" charset="0"/>
             </a:endParaRPr>
@@ -10421,12 +10332,27 @@
               <a:buNone/>
             </a:pPr>
             <a:r>
-              <a:rPr lang="he-IL" sz="1200" kern="100" dirty="0">
-                <a:latin typeface="Calibri" panose="020F0502020204030204" pitchFamily="34" charset="0"/>
+              <a:rPr lang="he-IL" sz="1600" kern="100" dirty="0">
+                <a:latin typeface="+mj-lt"/>
                 <a:ea typeface="Calibri" panose="020F0502020204030204" pitchFamily="34" charset="0"/>
                 <a:cs typeface="Arial" panose="020B0604020202020204" pitchFamily="34" charset="0"/>
               </a:rPr>
-              <a:t>בחרנו להתמקד ברכיב הקשירות הגדול ביותר בגרף בעל 398 צמתים (מוצרים).</a:t>
+              <a:t>בחרנו להתמקד ברכיב הקשירות הגדול ביותר בגרף</a:t>
+            </a:r>
+            <a:br>
+              <a:rPr lang="en-US" sz="1600" kern="100" dirty="0">
+                <a:latin typeface="+mj-lt"/>
+                <a:ea typeface="Calibri" panose="020F0502020204030204" pitchFamily="34" charset="0"/>
+                <a:cs typeface="Arial" panose="020B0604020202020204" pitchFamily="34" charset="0"/>
+              </a:rPr>
+            </a:br>
+            <a:r>
+              <a:rPr lang="he-IL" sz="1600" kern="100" dirty="0">
+                <a:latin typeface="+mj-lt"/>
+                <a:ea typeface="Calibri" panose="020F0502020204030204" pitchFamily="34" charset="0"/>
+                <a:cs typeface="Arial" panose="020B0604020202020204" pitchFamily="34" charset="0"/>
+              </a:rPr>
+              <a:t>בעל 398 צמתים (מוצרים).</a:t>
             </a:r>
           </a:p>
           <a:p>
@@ -10437,17 +10363,17 @@
               <a:buNone/>
             </a:pPr>
             <a:r>
-              <a:rPr lang="he-IL" sz="1200" kern="100" dirty="0">
+              <a:rPr lang="he-IL" sz="1600" kern="100" dirty="0">
                 <a:effectLst/>
-                <a:latin typeface="Calibri" panose="020F0502020204030204" pitchFamily="34" charset="0"/>
+                <a:latin typeface="+mj-lt"/>
                 <a:ea typeface="Calibri" panose="020F0502020204030204" pitchFamily="34" charset="0"/>
                 <a:cs typeface="Arial" panose="020B0604020202020204" pitchFamily="34" charset="0"/>
               </a:rPr>
               <a:t>כיוון ששאר הקהילות קטנות מ</a:t>
             </a:r>
             <a:r>
-              <a:rPr lang="he-IL" sz="1200" kern="100" dirty="0">
-                <a:latin typeface="Calibri" panose="020F0502020204030204" pitchFamily="34" charset="0"/>
+              <a:rPr lang="he-IL" sz="1600" kern="100" dirty="0">
+                <a:latin typeface="+mj-lt"/>
                 <a:ea typeface="Calibri" panose="020F0502020204030204" pitchFamily="34" charset="0"/>
                 <a:cs typeface="Arial" panose="020B0604020202020204" pitchFamily="34" charset="0"/>
               </a:rPr>
@@ -10462,16 +10388,16 @@
               <a:buNone/>
             </a:pPr>
             <a:r>
-              <a:rPr lang="he-IL" sz="1200" kern="100" dirty="0">
-                <a:latin typeface="Calibri" panose="020F0502020204030204" pitchFamily="34" charset="0"/>
+              <a:rPr lang="he-IL" sz="1600" kern="100" dirty="0">
+                <a:latin typeface="+mj-lt"/>
                 <a:ea typeface="Calibri" panose="020F0502020204030204" pitchFamily="34" charset="0"/>
                 <a:cs typeface="Arial" panose="020B0604020202020204" pitchFamily="34" charset="0"/>
               </a:rPr>
               <a:t>ולכן לא ניתן לקבל מהן מידע משמעותי.</a:t>
             </a:r>
-            <a:endParaRPr lang="en-IL" sz="1200" kern="100" dirty="0">
+            <a:endParaRPr lang="en-IL" sz="1600" kern="100" dirty="0">
               <a:effectLst/>
-              <a:latin typeface="Calibri" panose="020F0502020204030204" pitchFamily="34" charset="0"/>
+              <a:latin typeface="+mj-lt"/>
               <a:ea typeface="Calibri" panose="020F0502020204030204" pitchFamily="34" charset="0"/>
               <a:cs typeface="Arial" panose="020B0604020202020204" pitchFamily="34" charset="0"/>
             </a:endParaRPr>
@@ -10494,8 +10420,8 @@
               <a:buFont typeface="Raleway"/>
               <a:buNone/>
             </a:pPr>
-            <a:endParaRPr lang="he-IL" sz="1800" dirty="0">
-              <a:latin typeface="Calibri" panose="020F0502020204030204" pitchFamily="34" charset="0"/>
+            <a:endParaRPr lang="he-IL" sz="1600" dirty="0">
+              <a:latin typeface="+mj-lt"/>
               <a:ea typeface="Calibri" panose="020F0502020204030204" pitchFamily="34" charset="0"/>
               <a:cs typeface="Arial" panose="020B0604020202020204" pitchFamily="34" charset="0"/>
             </a:endParaRPr>
@@ -10767,8 +10693,8 @@
         </p:blipFill>
         <p:spPr>
           <a:xfrm>
-            <a:off x="595991" y="1376775"/>
-            <a:ext cx="2971385" cy="2975264"/>
+            <a:off x="118694" y="1101208"/>
+            <a:ext cx="3759970" cy="3764878"/>
           </a:xfrm>
           <a:prstGeom prst="rect">
             <a:avLst/>
@@ -11188,7 +11114,7 @@
         </p:nvSpPr>
         <p:spPr>
           <a:xfrm>
-            <a:off x="872400" y="1304874"/>
+            <a:off x="634082" y="955082"/>
             <a:ext cx="7828009" cy="3153925"/>
           </a:xfrm>
           <a:prstGeom prst="rect">
@@ -11455,7 +11381,7 @@
               <a:buFont typeface="Raleway"/>
               <a:buNone/>
             </a:pPr>
-            <a:endParaRPr lang="en-US" sz="1200" kern="100" dirty="0">
+            <a:endParaRPr lang="en-US" sz="1600" kern="100" dirty="0">
               <a:latin typeface="Calibri" panose="020F0502020204030204" pitchFamily="34" charset="0"/>
               <a:ea typeface="Calibri" panose="020F0502020204030204" pitchFamily="34" charset="0"/>
               <a:cs typeface="Arial" panose="020B0604020202020204" pitchFamily="34" charset="0"/>
@@ -11470,15 +11396,15 @@
               <a:buNone/>
             </a:pPr>
             <a:r>
-              <a:rPr lang="he-IL" dirty="0">
+              <a:rPr lang="he-IL" sz="1600" dirty="0">
                 <a:latin typeface="Calibri" panose="020F0502020204030204" pitchFamily="34" charset="0"/>
                 <a:ea typeface="Calibri" panose="020F0502020204030204" pitchFamily="34" charset="0"/>
                 <a:cs typeface="Arial" panose="020B0604020202020204" pitchFamily="34" charset="0"/>
               </a:rPr>
-              <a:t>אנו נשתמש באלגוריתם של </a:t>
+              <a:t>נשתמש באלגוריתם של </a:t>
             </a:r>
             <a:r>
-              <a:rPr lang="en-US" dirty="0">
+              <a:rPr lang="en-US" sz="1600" dirty="0">
                 <a:latin typeface="Calibri" panose="020F0502020204030204" pitchFamily="34" charset="0"/>
                 <a:ea typeface="Calibri" panose="020F0502020204030204" pitchFamily="34" charset="0"/>
                 <a:cs typeface="Arial" panose="020B0604020202020204" pitchFamily="34" charset="0"/>
@@ -11486,31 +11412,29 @@
               <a:t>Louvain</a:t>
             </a:r>
             <a:r>
-              <a:rPr lang="he-IL" dirty="0">
+              <a:rPr lang="he-IL" sz="1600" dirty="0">
                 <a:latin typeface="Calibri" panose="020F0502020204030204" pitchFamily="34" charset="0"/>
                 <a:ea typeface="Calibri" panose="020F0502020204030204" pitchFamily="34" charset="0"/>
                 <a:cs typeface="Arial" panose="020B0604020202020204" pitchFamily="34" charset="0"/>
               </a:rPr>
               <a:t> לחלוקת קהילות. </a:t>
             </a:r>
-          </a:p>
-          <a:p>
-            <a:pPr marL="0" indent="0" algn="r" rtl="1">
-              <a:spcAft>
-                <a:spcPts val="1600"/>
-              </a:spcAft>
-              <a:buFont typeface="Raleway"/>
-              <a:buNone/>
-            </a:pPr>
             <a:br>
-              <a:rPr lang="en-US" dirty="0">
+              <a:rPr lang="en-US" sz="1600" dirty="0">
+                <a:latin typeface="Calibri" panose="020F0502020204030204" pitchFamily="34" charset="0"/>
+                <a:ea typeface="Calibri" panose="020F0502020204030204" pitchFamily="34" charset="0"/>
+                <a:cs typeface="Arial" panose="020B0604020202020204" pitchFamily="34" charset="0"/>
+              </a:rPr>
+            </a:br>
+            <a:br>
+              <a:rPr lang="en-US" sz="1600" dirty="0">
                 <a:latin typeface="Calibri" panose="020F0502020204030204" pitchFamily="34" charset="0"/>
                 <a:ea typeface="Calibri" panose="020F0502020204030204" pitchFamily="34" charset="0"/>
                 <a:cs typeface="Arial" panose="020B0604020202020204" pitchFamily="34" charset="0"/>
               </a:rPr>
             </a:br>
             <a:r>
-              <a:rPr lang="he-IL" dirty="0">
+              <a:rPr lang="he-IL" sz="1600" dirty="0">
                 <a:latin typeface="Calibri" panose="020F0502020204030204" pitchFamily="34" charset="0"/>
                 <a:ea typeface="Calibri" panose="020F0502020204030204" pitchFamily="34" charset="0"/>
                 <a:cs typeface="Arial" panose="020B0604020202020204" pitchFamily="34" charset="0"/>
@@ -11518,14 +11442,14 @@
               <a:t>כיוון שמדד המודולריטי גבוהה יותר וכך חלוקת הקהילות</a:t>
             </a:r>
             <a:br>
-              <a:rPr lang="en-US" dirty="0">
+              <a:rPr lang="en-US" sz="1600" dirty="0">
                 <a:latin typeface="Calibri" panose="020F0502020204030204" pitchFamily="34" charset="0"/>
                 <a:ea typeface="Calibri" panose="020F0502020204030204" pitchFamily="34" charset="0"/>
                 <a:cs typeface="Arial" panose="020B0604020202020204" pitchFamily="34" charset="0"/>
               </a:rPr>
             </a:br>
             <a:r>
-              <a:rPr lang="he-IL" dirty="0">
+              <a:rPr lang="he-IL" sz="1600" dirty="0">
                 <a:latin typeface="Calibri" panose="020F0502020204030204" pitchFamily="34" charset="0"/>
                 <a:ea typeface="Calibri" panose="020F0502020204030204" pitchFamily="34" charset="0"/>
                 <a:cs typeface="Arial" panose="020B0604020202020204" pitchFamily="34" charset="0"/>
@@ -11550,14 +11474,14 @@
           <p:nvPr>
             <p:extLst>
               <p:ext uri="{D42A27DB-BD31-4B8C-83A1-F6EECF244321}">
-                <p14:modId xmlns:p14="http://schemas.microsoft.com/office/powerpoint/2010/main" val="3293985305"/>
+                <p14:modId xmlns:p14="http://schemas.microsoft.com/office/powerpoint/2010/main" val="165058465"/>
               </p:ext>
             </p:extLst>
           </p:nvPr>
         </p:nvGraphicFramePr>
         <p:xfrm>
-          <a:off x="173236" y="1616757"/>
-          <a:ext cx="3415092" cy="2077857"/>
+          <a:off x="4634004" y="2729436"/>
+          <a:ext cx="3550377" cy="1984767"/>
         </p:xfrm>
         <a:graphic>
           <a:graphicData uri="http://schemas.openxmlformats.org/drawingml/2006/table">
@@ -11566,21 +11490,21 @@
                 <a:tableStyleId>{F8B86340-472F-498C-83A9-C3879F05E7F9}</a:tableStyleId>
               </a:tblPr>
               <a:tblGrid>
-                <a:gridCol w="1138364">
+                <a:gridCol w="1183459">
                   <a:extLst>
                     <a:ext uri="{9D8B030D-6E8A-4147-A177-3AD203B41FA5}">
                       <a16:colId xmlns:a16="http://schemas.microsoft.com/office/drawing/2014/main" val="4159426576"/>
                     </a:ext>
                   </a:extLst>
                 </a:gridCol>
-                <a:gridCol w="1138364">
+                <a:gridCol w="1183459">
                   <a:extLst>
                     <a:ext uri="{9D8B030D-6E8A-4147-A177-3AD203B41FA5}">
                       <a16:colId xmlns:a16="http://schemas.microsoft.com/office/drawing/2014/main" val="489629639"/>
                     </a:ext>
                   </a:extLst>
                 </a:gridCol>
-                <a:gridCol w="1138364">
+                <a:gridCol w="1183459">
                   <a:extLst>
                     <a:ext uri="{9D8B030D-6E8A-4147-A177-3AD203B41FA5}">
                       <a16:colId xmlns:a16="http://schemas.microsoft.com/office/drawing/2014/main" val="758284781"/>
@@ -11849,8 +11773,8 @@
         </p:blipFill>
         <p:spPr>
           <a:xfrm>
-            <a:off x="4904167" y="2867890"/>
-            <a:ext cx="2239222" cy="2221909"/>
+            <a:off x="165204" y="1375618"/>
+            <a:ext cx="3376840" cy="3350731"/>
           </a:xfrm>
           <a:prstGeom prst="rect">
             <a:avLst/>
@@ -12270,7 +12194,7 @@
         </p:nvSpPr>
         <p:spPr>
           <a:xfrm>
-            <a:off x="872400" y="1304874"/>
+            <a:off x="595991" y="943134"/>
             <a:ext cx="7828009" cy="3153925"/>
           </a:xfrm>
           <a:prstGeom prst="rect">
@@ -12537,8 +12461,8 @@
               <a:buFont typeface="Raleway"/>
               <a:buNone/>
             </a:pPr>
-            <a:endParaRPr lang="en-US" sz="1200" kern="100" dirty="0">
-              <a:latin typeface="Calibri" panose="020F0502020204030204" pitchFamily="34" charset="0"/>
+            <a:endParaRPr lang="en-US" sz="1600" kern="100" dirty="0">
+              <a:latin typeface="+mj-lt"/>
               <a:ea typeface="Calibri" panose="020F0502020204030204" pitchFamily="34" charset="0"/>
               <a:cs typeface="Arial" panose="020B0604020202020204" pitchFamily="34" charset="0"/>
             </a:endParaRPr>
@@ -12552,12 +12476,12 @@
               <a:buNone/>
             </a:pPr>
             <a:r>
-              <a:rPr lang="he-IL" dirty="0">
-                <a:latin typeface="Calibri" panose="020F0502020204030204" pitchFamily="34" charset="0"/>
+              <a:rPr lang="he-IL" sz="1600" dirty="0">
+                <a:latin typeface="+mj-lt"/>
                 <a:ea typeface="Calibri" panose="020F0502020204030204" pitchFamily="34" charset="0"/>
                 <a:cs typeface="Arial" panose="020B0604020202020204" pitchFamily="34" charset="0"/>
               </a:rPr>
-              <a:t>מערכת ההמלצה מקבל מוצר מהרשת:</a:t>
+              <a:t>מערכת ההמלצה מקבלת מוצר מהרשת:</a:t>
             </a:r>
           </a:p>
           <a:p>
@@ -12569,24 +12493,24 @@
               <a:buAutoNum type="arabicPeriod"/>
             </a:pPr>
             <a:r>
-              <a:rPr lang="he-IL" dirty="0">
-                <a:latin typeface="Calibri" panose="020F0502020204030204" pitchFamily="34" charset="0"/>
+              <a:rPr lang="he-IL" sz="1600" dirty="0">
+                <a:latin typeface="+mj-lt"/>
                 <a:ea typeface="Calibri" panose="020F0502020204030204" pitchFamily="34" charset="0"/>
                 <a:cs typeface="Arial" panose="020B0604020202020204" pitchFamily="34" charset="0"/>
               </a:rPr>
               <a:t>מחשבת מיהו המוצר מתוך הקהילה שלו עם ה </a:t>
             </a:r>
             <a:r>
-              <a:rPr lang="en-US" dirty="0">
-                <a:latin typeface="Calibri" panose="020F0502020204030204" pitchFamily="34" charset="0"/>
+              <a:rPr lang="en-US" sz="1600" dirty="0">
+                <a:latin typeface="+mj-lt"/>
                 <a:ea typeface="Calibri" panose="020F0502020204030204" pitchFamily="34" charset="0"/>
                 <a:cs typeface="Arial" panose="020B0604020202020204" pitchFamily="34" charset="0"/>
               </a:rPr>
               <a:t>betweenness centrality</a:t>
             </a:r>
             <a:r>
-              <a:rPr lang="he-IL" dirty="0">
-                <a:latin typeface="Calibri" panose="020F0502020204030204" pitchFamily="34" charset="0"/>
+              <a:rPr lang="he-IL" sz="1600" dirty="0">
+                <a:latin typeface="+mj-lt"/>
                 <a:ea typeface="Calibri" panose="020F0502020204030204" pitchFamily="34" charset="0"/>
                 <a:cs typeface="Arial" panose="020B0604020202020204" pitchFamily="34" charset="0"/>
               </a:rPr>
@@ -12602,24 +12526,24 @@
               <a:buAutoNum type="arabicPeriod"/>
             </a:pPr>
             <a:r>
-              <a:rPr lang="he-IL" dirty="0">
-                <a:latin typeface="Calibri" panose="020F0502020204030204" pitchFamily="34" charset="0"/>
+              <a:rPr lang="he-IL" sz="1600" dirty="0">
+                <a:latin typeface="+mj-lt"/>
                 <a:ea typeface="Calibri" panose="020F0502020204030204" pitchFamily="34" charset="0"/>
                 <a:cs typeface="Arial" panose="020B0604020202020204" pitchFamily="34" charset="0"/>
               </a:rPr>
               <a:t>מחשבת מיהו המוצר בעל מדד ה </a:t>
             </a:r>
             <a:r>
-              <a:rPr lang="en-US" dirty="0">
-                <a:latin typeface="Calibri" panose="020F0502020204030204" pitchFamily="34" charset="0"/>
+              <a:rPr lang="en-US" sz="1600" dirty="0">
+                <a:latin typeface="+mj-lt"/>
                 <a:ea typeface="Calibri" panose="020F0502020204030204" pitchFamily="34" charset="0"/>
                 <a:cs typeface="Arial" panose="020B0604020202020204" pitchFamily="34" charset="0"/>
               </a:rPr>
               <a:t>Jaccard coefficient</a:t>
             </a:r>
             <a:r>
-              <a:rPr lang="he-IL" dirty="0">
-                <a:latin typeface="Calibri" panose="020F0502020204030204" pitchFamily="34" charset="0"/>
+              <a:rPr lang="he-IL" sz="1600" dirty="0">
+                <a:latin typeface="+mj-lt"/>
                 <a:ea typeface="Calibri" panose="020F0502020204030204" pitchFamily="34" charset="0"/>
                 <a:cs typeface="Arial" panose="020B0604020202020204" pitchFamily="34" charset="0"/>
               </a:rPr>
@@ -12635,24 +12559,24 @@
               <a:buAutoNum type="arabicPeriod"/>
             </a:pPr>
             <a:r>
-              <a:rPr lang="he-IL" dirty="0">
-                <a:latin typeface="Calibri" panose="020F0502020204030204" pitchFamily="34" charset="0"/>
+              <a:rPr lang="he-IL" sz="1600" dirty="0">
+                <a:latin typeface="+mj-lt"/>
                 <a:ea typeface="Calibri" panose="020F0502020204030204" pitchFamily="34" charset="0"/>
                 <a:cs typeface="Arial" panose="020B0604020202020204" pitchFamily="34" charset="0"/>
               </a:rPr>
               <a:t>מחשבת מיהו המוצר בעל מדד ה </a:t>
             </a:r>
             <a:r>
-              <a:rPr lang="en-US" dirty="0">
-                <a:latin typeface="Calibri" panose="020F0502020204030204" pitchFamily="34" charset="0"/>
+              <a:rPr lang="en-US" sz="1600" dirty="0">
+                <a:latin typeface="+mj-lt"/>
                 <a:ea typeface="Calibri" panose="020F0502020204030204" pitchFamily="34" charset="0"/>
                 <a:cs typeface="Arial" panose="020B0604020202020204" pitchFamily="34" charset="0"/>
               </a:rPr>
               <a:t>Jaccard coefficient</a:t>
             </a:r>
             <a:r>
-              <a:rPr lang="he-IL" dirty="0">
-                <a:latin typeface="Calibri" panose="020F0502020204030204" pitchFamily="34" charset="0"/>
+              <a:rPr lang="he-IL" sz="1600" dirty="0">
+                <a:latin typeface="+mj-lt"/>
                 <a:ea typeface="Calibri" panose="020F0502020204030204" pitchFamily="34" charset="0"/>
                 <a:cs typeface="Arial" panose="020B0604020202020204" pitchFamily="34" charset="0"/>
               </a:rPr>
@@ -12668,8 +12592,8 @@
               <a:buAutoNum type="arabicPeriod"/>
             </a:pPr>
             <a:r>
-              <a:rPr lang="he-IL" dirty="0">
-                <a:latin typeface="Calibri" panose="020F0502020204030204" pitchFamily="34" charset="0"/>
+              <a:rPr lang="he-IL" sz="1600" dirty="0">
+                <a:latin typeface="+mj-lt"/>
                 <a:ea typeface="Calibri" panose="020F0502020204030204" pitchFamily="34" charset="0"/>
                 <a:cs typeface="Arial" panose="020B0604020202020204" pitchFamily="34" charset="0"/>
               </a:rPr>
@@ -13091,7 +13015,7 @@
         </p:nvSpPr>
         <p:spPr>
           <a:xfrm>
-            <a:off x="872400" y="1304874"/>
+            <a:off x="574905" y="1181497"/>
             <a:ext cx="7828009" cy="3153925"/>
           </a:xfrm>
           <a:prstGeom prst="rect">
@@ -13372,7 +13296,7 @@
               <a:buFont typeface="Raleway"/>
               <a:buNone/>
             </a:pPr>
-            <a:endParaRPr lang="he-IL" sz="1200" kern="100" dirty="0">
+            <a:endParaRPr lang="he-IL" sz="1600" kern="100" dirty="0">
               <a:latin typeface="Calibri" panose="020F0502020204030204" pitchFamily="34" charset="0"/>
               <a:ea typeface="Calibri" panose="020F0502020204030204" pitchFamily="34" charset="0"/>
               <a:cs typeface="Arial" panose="020B0604020202020204" pitchFamily="34" charset="0"/>
@@ -13384,7 +13308,7 @@
               <a:buNone/>
             </a:pPr>
             <a:r>
-              <a:rPr lang="he-IL" sz="1200" b="1" u="sng" kern="100" dirty="0">
+              <a:rPr lang="he-IL" sz="1600" b="1" u="sng" kern="100" dirty="0">
                 <a:latin typeface="Calibri" panose="020F0502020204030204" pitchFamily="34" charset="0"/>
                 <a:ea typeface="Calibri" panose="020F0502020204030204" pitchFamily="34" charset="0"/>
                 <a:cs typeface="Arial" panose="020B0604020202020204" pitchFamily="34" charset="0"/>
@@ -13398,7 +13322,7 @@
               <a:buNone/>
             </a:pPr>
             <a:r>
-              <a:rPr lang="he-IL" sz="1200" kern="100" dirty="0">
+              <a:rPr lang="he-IL" sz="1600" kern="100" dirty="0">
                 <a:latin typeface="Calibri" panose="020F0502020204030204" pitchFamily="34" charset="0"/>
                 <a:ea typeface="Calibri" panose="020F0502020204030204" pitchFamily="34" charset="0"/>
                 <a:cs typeface="Arial" panose="020B0604020202020204" pitchFamily="34" charset="0"/>
@@ -13411,7 +13335,7 @@
               <a:buNone/>
             </a:pPr>
             <a:r>
-              <a:rPr lang="he-IL" sz="1200" kern="100" dirty="0">
+              <a:rPr lang="he-IL" sz="1600" kern="100" dirty="0">
                 <a:latin typeface="Calibri" panose="020F0502020204030204" pitchFamily="34" charset="0"/>
                 <a:ea typeface="Calibri" panose="020F0502020204030204" pitchFamily="34" charset="0"/>
                 <a:cs typeface="Arial" panose="020B0604020202020204" pitchFamily="34" charset="0"/>
@@ -13420,21 +13344,10 @@
             </a:r>
           </a:p>
           <a:p>
-            <a:pPr marL="171450" indent="-171450" algn="r" rtl="1">
-              <a:buFontTx/>
-              <a:buChar char="-"/>
-            </a:pPr>
-            <a:endParaRPr lang="he-IL" sz="1200" kern="100" dirty="0">
-              <a:latin typeface="Calibri" panose="020F0502020204030204" pitchFamily="34" charset="0"/>
-              <a:ea typeface="Calibri" panose="020F0502020204030204" pitchFamily="34" charset="0"/>
-              <a:cs typeface="Arial" panose="020B0604020202020204" pitchFamily="34" charset="0"/>
-            </a:endParaRPr>
-          </a:p>
-          <a:p>
             <a:pPr marL="0" indent="0" algn="r" rtl="1">
               <a:buNone/>
             </a:pPr>
-            <a:endParaRPr lang="he-IL" sz="1200" kern="100" dirty="0">
+            <a:endParaRPr lang="he-IL" sz="1600" kern="100" dirty="0">
               <a:latin typeface="Calibri" panose="020F0502020204030204" pitchFamily="34" charset="0"/>
               <a:ea typeface="Calibri" panose="020F0502020204030204" pitchFamily="34" charset="0"/>
               <a:cs typeface="Arial" panose="020B0604020202020204" pitchFamily="34" charset="0"/>
@@ -13445,7 +13358,7 @@
               <a:buNone/>
             </a:pPr>
             <a:r>
-              <a:rPr lang="he-IL" sz="1200" b="1" u="sng" kern="100" dirty="0">
+              <a:rPr lang="he-IL" sz="1600" b="1" u="sng" kern="100" dirty="0">
                 <a:latin typeface="Calibri" panose="020F0502020204030204" pitchFamily="34" charset="0"/>
                 <a:ea typeface="Calibri" panose="020F0502020204030204" pitchFamily="34" charset="0"/>
                 <a:cs typeface="Arial" panose="020B0604020202020204" pitchFamily="34" charset="0"/>
@@ -13458,7 +13371,7 @@
               <a:buNone/>
             </a:pPr>
             <a:r>
-              <a:rPr lang="he-IL" sz="1200" kern="100" dirty="0">
+              <a:rPr lang="he-IL" sz="1600" kern="100" dirty="0">
                 <a:latin typeface="Calibri" panose="020F0502020204030204" pitchFamily="34" charset="0"/>
                 <a:ea typeface="Calibri" panose="020F0502020204030204" pitchFamily="34" charset="0"/>
                 <a:cs typeface="Arial" panose="020B0604020202020204" pitchFamily="34" charset="0"/>
@@ -13471,7 +13384,7 @@
               <a:buFont typeface="Raleway"/>
               <a:buAutoNum type="arabicPeriod"/>
             </a:pPr>
-            <a:endParaRPr lang="he-IL" sz="1200" kern="100" dirty="0">
+            <a:endParaRPr lang="he-IL" sz="1600" kern="100" dirty="0">
               <a:latin typeface="Calibri" panose="020F0502020204030204" pitchFamily="34" charset="0"/>
               <a:ea typeface="Calibri" panose="020F0502020204030204" pitchFamily="34" charset="0"/>
               <a:cs typeface="Arial" panose="020B0604020202020204" pitchFamily="34" charset="0"/>
@@ -13482,7 +13395,7 @@
               <a:buFont typeface="Raleway"/>
               <a:buAutoNum type="arabicPeriod"/>
             </a:pPr>
-            <a:endParaRPr lang="en-US" sz="1200" kern="100" dirty="0">
+            <a:endParaRPr lang="en-US" sz="1600" kern="100" dirty="0">
               <a:latin typeface="Calibri" panose="020F0502020204030204" pitchFamily="34" charset="0"/>
               <a:ea typeface="Calibri" panose="020F0502020204030204" pitchFamily="34" charset="0"/>
               <a:cs typeface="Arial" panose="020B0604020202020204" pitchFamily="34" charset="0"/>
@@ -13512,8 +13425,8 @@
         </p:blipFill>
         <p:spPr>
           <a:xfrm>
-            <a:off x="962116" y="3413943"/>
-            <a:ext cx="7648575" cy="857250"/>
+            <a:off x="312009" y="3743624"/>
+            <a:ext cx="8510988" cy="953909"/>
           </a:xfrm>
           <a:prstGeom prst="rect">
             <a:avLst/>
